--- a/발표자료/05. Testing & Evaluation.pptx
+++ b/발표자료/05. Testing & Evaluation.pptx
@@ -111,6 +111,11 @@
       </a:defRPr>
     </a:lvl9pPr>
   </p:defaultTextStyle>
+  <p:extLst>
+    <p:ext uri="{EFAFB233-063F-42B5-8137-9DF3F51BA10A}">
+      <p15:sldGuideLst xmlns:p15="http://schemas.microsoft.com/office/powerpoint/2012/main"/>
+    </p:ext>
+  </p:extLst>
 </p:presentation>
 </file>
 
@@ -261,7 +266,7 @@
           <a:p>
             <a:fld id="{A5F5E847-DA66-42AF-8FA0-E5D5BB2EAD65}" type="datetimeFigureOut">
               <a:rPr lang="ko-KR" altLang="en-US" smtClean="0"/>
-              <a:t>2018-11-28</a:t>
+              <a:t>2018-12-01</a:t>
             </a:fld>
             <a:endParaRPr lang="ko-KR" altLang="en-US"/>
           </a:p>
@@ -459,7 +464,7 @@
           <a:p>
             <a:fld id="{A5F5E847-DA66-42AF-8FA0-E5D5BB2EAD65}" type="datetimeFigureOut">
               <a:rPr lang="ko-KR" altLang="en-US" smtClean="0"/>
-              <a:t>2018-11-28</a:t>
+              <a:t>2018-12-01</a:t>
             </a:fld>
             <a:endParaRPr lang="ko-KR" altLang="en-US"/>
           </a:p>
@@ -667,7 +672,7 @@
           <a:p>
             <a:fld id="{A5F5E847-DA66-42AF-8FA0-E5D5BB2EAD65}" type="datetimeFigureOut">
               <a:rPr lang="ko-KR" altLang="en-US" smtClean="0"/>
-              <a:t>2018-11-28</a:t>
+              <a:t>2018-12-01</a:t>
             </a:fld>
             <a:endParaRPr lang="ko-KR" altLang="en-US"/>
           </a:p>
@@ -865,7 +870,7 @@
           <a:p>
             <a:fld id="{A5F5E847-DA66-42AF-8FA0-E5D5BB2EAD65}" type="datetimeFigureOut">
               <a:rPr lang="ko-KR" altLang="en-US" smtClean="0"/>
-              <a:t>2018-11-28</a:t>
+              <a:t>2018-12-01</a:t>
             </a:fld>
             <a:endParaRPr lang="ko-KR" altLang="en-US"/>
           </a:p>
@@ -1140,7 +1145,7 @@
           <a:p>
             <a:fld id="{A5F5E847-DA66-42AF-8FA0-E5D5BB2EAD65}" type="datetimeFigureOut">
               <a:rPr lang="ko-KR" altLang="en-US" smtClean="0"/>
-              <a:t>2018-11-28</a:t>
+              <a:t>2018-12-01</a:t>
             </a:fld>
             <a:endParaRPr lang="ko-KR" altLang="en-US"/>
           </a:p>
@@ -1405,7 +1410,7 @@
           <a:p>
             <a:fld id="{A5F5E847-DA66-42AF-8FA0-E5D5BB2EAD65}" type="datetimeFigureOut">
               <a:rPr lang="ko-KR" altLang="en-US" smtClean="0"/>
-              <a:t>2018-11-28</a:t>
+              <a:t>2018-12-01</a:t>
             </a:fld>
             <a:endParaRPr lang="ko-KR" altLang="en-US"/>
           </a:p>
@@ -1817,7 +1822,7 @@
           <a:p>
             <a:fld id="{A5F5E847-DA66-42AF-8FA0-E5D5BB2EAD65}" type="datetimeFigureOut">
               <a:rPr lang="ko-KR" altLang="en-US" smtClean="0"/>
-              <a:t>2018-11-28</a:t>
+              <a:t>2018-12-01</a:t>
             </a:fld>
             <a:endParaRPr lang="ko-KR" altLang="en-US"/>
           </a:p>
@@ -1958,7 +1963,7 @@
           <a:p>
             <a:fld id="{A5F5E847-DA66-42AF-8FA0-E5D5BB2EAD65}" type="datetimeFigureOut">
               <a:rPr lang="ko-KR" altLang="en-US" smtClean="0"/>
-              <a:t>2018-11-28</a:t>
+              <a:t>2018-12-01</a:t>
             </a:fld>
             <a:endParaRPr lang="ko-KR" altLang="en-US"/>
           </a:p>
@@ -2071,7 +2076,7 @@
           <a:p>
             <a:fld id="{A5F5E847-DA66-42AF-8FA0-E5D5BB2EAD65}" type="datetimeFigureOut">
               <a:rPr lang="ko-KR" altLang="en-US" smtClean="0"/>
-              <a:t>2018-11-28</a:t>
+              <a:t>2018-12-01</a:t>
             </a:fld>
             <a:endParaRPr lang="ko-KR" altLang="en-US"/>
           </a:p>
@@ -2382,7 +2387,7 @@
           <a:p>
             <a:fld id="{A5F5E847-DA66-42AF-8FA0-E5D5BB2EAD65}" type="datetimeFigureOut">
               <a:rPr lang="ko-KR" altLang="en-US" smtClean="0"/>
-              <a:t>2018-11-28</a:t>
+              <a:t>2018-12-01</a:t>
             </a:fld>
             <a:endParaRPr lang="ko-KR" altLang="en-US"/>
           </a:p>
@@ -2670,7 +2675,7 @@
           <a:p>
             <a:fld id="{A5F5E847-DA66-42AF-8FA0-E5D5BB2EAD65}" type="datetimeFigureOut">
               <a:rPr lang="ko-KR" altLang="en-US" smtClean="0"/>
-              <a:t>2018-11-28</a:t>
+              <a:t>2018-12-01</a:t>
             </a:fld>
             <a:endParaRPr lang="ko-KR" altLang="en-US"/>
           </a:p>
@@ -2911,7 +2916,7 @@
           <a:p>
             <a:fld id="{A5F5E847-DA66-42AF-8FA0-E5D5BB2EAD65}" type="datetimeFigureOut">
               <a:rPr lang="ko-KR" altLang="en-US" smtClean="0"/>
-              <a:t>2018-11-28</a:t>
+              <a:t>2018-12-01</a:t>
             </a:fld>
             <a:endParaRPr lang="ko-KR" altLang="en-US"/>
           </a:p>
@@ -3592,7 +3597,39 @@
                     <a:schemeClr val="bg1"/>
                   </a:solidFill>
                 </a:rPr>
-                <a:t>Solving Problems &amp; Experimentation</a:t>
+                <a:t>Testing</a:t>
+              </a:r>
+              <a:r>
+                <a:rPr lang="ko-KR" altLang="en-US" sz="3200" dirty="0">
+                  <a:solidFill>
+                    <a:schemeClr val="bg1"/>
+                  </a:solidFill>
+                </a:rPr>
+                <a:t> </a:t>
+              </a:r>
+              <a:r>
+                <a:rPr lang="en-US" altLang="ko-KR" sz="3200" dirty="0">
+                  <a:solidFill>
+                    <a:schemeClr val="bg1"/>
+                  </a:solidFill>
+                </a:rPr>
+                <a:t>&amp;</a:t>
+              </a:r>
+              <a:r>
+                <a:rPr lang="ko-KR" altLang="en-US" sz="3200" dirty="0">
+                  <a:solidFill>
+                    <a:schemeClr val="bg1"/>
+                  </a:solidFill>
+                </a:rPr>
+                <a:t> </a:t>
+              </a:r>
+              <a:r>
+                <a:rPr lang="en-US" altLang="ko-KR" sz="3200" dirty="0">
+                  <a:solidFill>
+                    <a:schemeClr val="bg1"/>
+                  </a:solidFill>
+                </a:rPr>
+                <a:t>Evaluation</a:t>
               </a:r>
               <a:endParaRPr lang="ko-KR" altLang="en-US" sz="3200" dirty="0">
                 <a:solidFill>
@@ -3662,7 +3699,7 @@
         <p:spPr>
           <a:xfrm>
             <a:off x="8455186" y="3843314"/>
-            <a:ext cx="2004429" cy="369332"/>
+            <a:ext cx="2116390" cy="369332"/>
           </a:xfrm>
           <a:prstGeom prst="rect">
             <a:avLst/>
@@ -3689,7 +3726,7 @@
                   <a:schemeClr val="bg1"/>
                 </a:solidFill>
               </a:rPr>
-              <a:t>이용</a:t>
+              <a:t>권도경</a:t>
             </a:r>
           </a:p>
         </p:txBody>
@@ -4597,13 +4634,13 @@
           <p:nvPr>
             <p:extLst>
               <p:ext uri="{D42A27DB-BD31-4B8C-83A1-F6EECF244321}">
-                <p14:modId xmlns:p14="http://schemas.microsoft.com/office/powerpoint/2010/main" val="3114680142"/>
+                <p14:modId xmlns:p14="http://schemas.microsoft.com/office/powerpoint/2010/main" val="980112427"/>
               </p:ext>
             </p:extLst>
           </p:nvPr>
         </p:nvGraphicFramePr>
         <p:xfrm>
-          <a:off x="2625817" y="412811"/>
+          <a:off x="2751091" y="1997910"/>
           <a:ext cx="8128000" cy="2966720"/>
         </p:xfrm>
         <a:graphic>
@@ -5211,6 +5248,388 @@
                       <a:tailEnd type="none" w="med" len="med"/>
                     </a:lnB>
                     <a:solidFill>
+                      <a:schemeClr val="bg1"/>
+                    </a:solidFill>
+                  </a:tcPr>
+                </a:tc>
+                <a:tc>
+                  <a:txBody>
+                    <a:bodyPr/>
+                    <a:lstStyle/>
+                    <a:p>
+                      <a:pPr marL="0" marR="0" lvl="0" indent="0" algn="ctr" defTabSz="914400" rtl="0" eaLnBrk="1" fontAlgn="auto" latinLnBrk="1" hangingPunct="1">
+                        <a:lnSpc>
+                          <a:spcPct val="100000"/>
+                        </a:lnSpc>
+                        <a:spcBef>
+                          <a:spcPts val="0"/>
+                        </a:spcBef>
+                        <a:spcAft>
+                          <a:spcPts val="0"/>
+                        </a:spcAft>
+                        <a:buClrTx/>
+                        <a:buSzTx/>
+                        <a:buFontTx/>
+                        <a:buNone/>
+                        <a:tabLst/>
+                        <a:defRPr/>
+                      </a:pPr>
+                      <a:r>
+                        <a:rPr kumimoji="0" lang="en-US" altLang="ko-KR" sz="1800" b="0" i="0" u="none" strike="noStrike" kern="1200" cap="none" spc="0" normalizeH="0" baseline="0" noProof="0">
+                          <a:ln w="0"/>
+                          <a:solidFill>
+                            <a:prstClr val="black"/>
+                          </a:solidFill>
+                          <a:effectLst>
+                            <a:outerShdw blurRad="38100" dist="19050" dir="2700000" algn="tl" rotWithShape="0">
+                              <a:prstClr val="black">
+                                <a:alpha val="40000"/>
+                              </a:prstClr>
+                            </a:outerShdw>
+                          </a:effectLst>
+                          <a:uLnTx/>
+                          <a:uFillTx/>
+                          <a:latin typeface="맑은 고딕" panose="020F0502020204030204"/>
+                          <a:ea typeface="맑은 고딕" panose="020B0503020000020004" pitchFamily="50" charset="-127"/>
+                          <a:cs typeface="+mn-cs"/>
+                        </a:rPr>
+                        <a:t>Complete</a:t>
+                      </a:r>
+                      <a:endParaRPr kumimoji="0" lang="ko-KR" altLang="en-US" sz="1800" b="0" i="0" u="none" strike="noStrike" kern="1200" cap="none" spc="0" normalizeH="0" baseline="0" noProof="0" dirty="0">
+                        <a:ln w="0"/>
+                        <a:solidFill>
+                          <a:prstClr val="black"/>
+                        </a:solidFill>
+                        <a:effectLst>
+                          <a:outerShdw blurRad="38100" dist="19050" dir="2700000" algn="tl" rotWithShape="0">
+                            <a:prstClr val="black">
+                              <a:alpha val="40000"/>
+                            </a:prstClr>
+                          </a:outerShdw>
+                        </a:effectLst>
+                        <a:uLnTx/>
+                        <a:uFillTx/>
+                        <a:latin typeface="맑은 고딕" panose="020F0502020204030204"/>
+                        <a:ea typeface="맑은 고딕" panose="020B0503020000020004" pitchFamily="50" charset="-127"/>
+                        <a:cs typeface="+mn-cs"/>
+                      </a:endParaRPr>
+                    </a:p>
+                  </a:txBody>
+                  <a:tcPr>
+                    <a:lnL w="12700" cap="flat" cmpd="sng" algn="ctr">
+                      <a:solidFill>
+                        <a:schemeClr val="tx1"/>
+                      </a:solidFill>
+                      <a:prstDash val="solid"/>
+                      <a:round/>
+                      <a:headEnd type="none" w="med" len="med"/>
+                      <a:tailEnd type="none" w="med" len="med"/>
+                    </a:lnL>
+                    <a:lnR w="12700" cap="flat" cmpd="sng" algn="ctr">
+                      <a:solidFill>
+                        <a:schemeClr val="tx1"/>
+                      </a:solidFill>
+                      <a:prstDash val="solid"/>
+                      <a:round/>
+                      <a:headEnd type="none" w="med" len="med"/>
+                      <a:tailEnd type="none" w="med" len="med"/>
+                    </a:lnR>
+                    <a:lnT w="12700" cap="flat" cmpd="sng" algn="ctr">
+                      <a:solidFill>
+                        <a:schemeClr val="tx1"/>
+                      </a:solidFill>
+                      <a:prstDash val="solid"/>
+                      <a:round/>
+                      <a:headEnd type="none" w="med" len="med"/>
+                      <a:tailEnd type="none" w="med" len="med"/>
+                    </a:lnT>
+                    <a:lnB w="12700" cap="flat" cmpd="sng" algn="ctr">
+                      <a:solidFill>
+                        <a:schemeClr val="tx1"/>
+                      </a:solidFill>
+                      <a:prstDash val="solid"/>
+                      <a:round/>
+                      <a:headEnd type="none" w="med" len="med"/>
+                      <a:tailEnd type="none" w="med" len="med"/>
+                    </a:lnB>
+                    <a:solidFill>
+                      <a:schemeClr val="bg1"/>
+                    </a:solidFill>
+                  </a:tcPr>
+                </a:tc>
+                <a:extLst>
+                  <a:ext uri="{0D108BD9-81ED-4DB2-BD59-A6C34878D82A}">
+                    <a16:rowId xmlns:a16="http://schemas.microsoft.com/office/drawing/2014/main" val="871081991"/>
+                  </a:ext>
+                </a:extLst>
+              </a:tr>
+              <a:tr h="370840">
+                <a:tc>
+                  <a:txBody>
+                    <a:bodyPr/>
+                    <a:lstStyle/>
+                    <a:p>
+                      <a:pPr algn="ctr" latinLnBrk="1"/>
+                      <a:r>
+                        <a:rPr lang="en-US" altLang="ko-KR" b="0" cap="none" spc="0" dirty="0">
+                          <a:ln w="0"/>
+                          <a:solidFill>
+                            <a:schemeClr val="tx1"/>
+                          </a:solidFill>
+                          <a:effectLst>
+                            <a:outerShdw blurRad="38100" dist="19050" dir="2700000" algn="tl" rotWithShape="0">
+                              <a:schemeClr val="dk1">
+                                <a:alpha val="40000"/>
+                              </a:schemeClr>
+                            </a:outerShdw>
+                          </a:effectLst>
+                        </a:rPr>
+                        <a:t>Experimentation</a:t>
+                      </a:r>
+                      <a:endParaRPr lang="ko-KR" altLang="en-US" b="0" cap="none" spc="0" dirty="0">
+                        <a:ln w="0"/>
+                        <a:solidFill>
+                          <a:schemeClr val="tx1"/>
+                        </a:solidFill>
+                        <a:effectLst>
+                          <a:outerShdw blurRad="38100" dist="19050" dir="2700000" algn="tl" rotWithShape="0">
+                            <a:schemeClr val="dk1">
+                              <a:alpha val="40000"/>
+                            </a:schemeClr>
+                          </a:outerShdw>
+                        </a:effectLst>
+                      </a:endParaRPr>
+                    </a:p>
+                  </a:txBody>
+                  <a:tcPr>
+                    <a:lnL w="12700" cap="flat" cmpd="sng" algn="ctr">
+                      <a:solidFill>
+                        <a:schemeClr val="tx1"/>
+                      </a:solidFill>
+                      <a:prstDash val="solid"/>
+                      <a:round/>
+                      <a:headEnd type="none" w="med" len="med"/>
+                      <a:tailEnd type="none" w="med" len="med"/>
+                    </a:lnL>
+                    <a:lnR w="12700" cap="flat" cmpd="sng" algn="ctr">
+                      <a:solidFill>
+                        <a:schemeClr val="tx1"/>
+                      </a:solidFill>
+                      <a:prstDash val="solid"/>
+                      <a:round/>
+                      <a:headEnd type="none" w="med" len="med"/>
+                      <a:tailEnd type="none" w="med" len="med"/>
+                    </a:lnR>
+                    <a:lnT w="12700" cap="flat" cmpd="sng" algn="ctr">
+                      <a:solidFill>
+                        <a:schemeClr val="tx1"/>
+                      </a:solidFill>
+                      <a:prstDash val="solid"/>
+                      <a:round/>
+                      <a:headEnd type="none" w="med" len="med"/>
+                      <a:tailEnd type="none" w="med" len="med"/>
+                    </a:lnT>
+                    <a:lnB w="12700" cap="flat" cmpd="sng" algn="ctr">
+                      <a:solidFill>
+                        <a:schemeClr val="tx1"/>
+                      </a:solidFill>
+                      <a:prstDash val="solid"/>
+                      <a:round/>
+                      <a:headEnd type="none" w="med" len="med"/>
+                      <a:tailEnd type="none" w="med" len="med"/>
+                    </a:lnB>
+                    <a:solidFill>
+                      <a:schemeClr val="bg1"/>
+                    </a:solidFill>
+                  </a:tcPr>
+                </a:tc>
+                <a:tc>
+                  <a:txBody>
+                    <a:bodyPr/>
+                    <a:lstStyle/>
+                    <a:p>
+                      <a:pPr marL="0" marR="0" lvl="0" indent="0" algn="ctr" defTabSz="914400" rtl="0" eaLnBrk="1" fontAlgn="auto" latinLnBrk="1" hangingPunct="1">
+                        <a:lnSpc>
+                          <a:spcPct val="100000"/>
+                        </a:lnSpc>
+                        <a:spcBef>
+                          <a:spcPts val="0"/>
+                        </a:spcBef>
+                        <a:spcAft>
+                          <a:spcPts val="0"/>
+                        </a:spcAft>
+                        <a:buClrTx/>
+                        <a:buSzTx/>
+                        <a:buFontTx/>
+                        <a:buNone/>
+                        <a:tabLst/>
+                        <a:defRPr/>
+                      </a:pPr>
+                      <a:r>
+                        <a:rPr kumimoji="0" lang="en-US" altLang="ko-KR" sz="1800" b="0" i="0" u="none" strike="noStrike" kern="1200" cap="none" spc="0" normalizeH="0" baseline="0" noProof="0" dirty="0">
+                          <a:ln w="0"/>
+                          <a:solidFill>
+                            <a:prstClr val="black"/>
+                          </a:solidFill>
+                          <a:effectLst>
+                            <a:outerShdw blurRad="38100" dist="19050" dir="2700000" algn="tl" rotWithShape="0">
+                              <a:prstClr val="black">
+                                <a:alpha val="40000"/>
+                              </a:prstClr>
+                            </a:outerShdw>
+                          </a:effectLst>
+                          <a:uLnTx/>
+                          <a:uFillTx/>
+                          <a:latin typeface="맑은 고딕" panose="020F0502020204030204"/>
+                          <a:ea typeface="맑은 고딕" panose="020B0503020000020004" pitchFamily="50" charset="-127"/>
+                          <a:cs typeface="+mn-cs"/>
+                        </a:rPr>
+                        <a:t>Complete</a:t>
+                      </a:r>
+                      <a:endParaRPr kumimoji="0" lang="ko-KR" altLang="en-US" sz="1800" b="0" i="0" u="none" strike="noStrike" kern="1200" cap="none" spc="0" normalizeH="0" baseline="0" noProof="0" dirty="0">
+                        <a:ln w="0"/>
+                        <a:solidFill>
+                          <a:prstClr val="black"/>
+                        </a:solidFill>
+                        <a:effectLst>
+                          <a:outerShdw blurRad="38100" dist="19050" dir="2700000" algn="tl" rotWithShape="0">
+                            <a:prstClr val="black">
+                              <a:alpha val="40000"/>
+                            </a:prstClr>
+                          </a:outerShdw>
+                        </a:effectLst>
+                        <a:uLnTx/>
+                        <a:uFillTx/>
+                        <a:latin typeface="맑은 고딕" panose="020F0502020204030204"/>
+                        <a:ea typeface="맑은 고딕" panose="020B0503020000020004" pitchFamily="50" charset="-127"/>
+                        <a:cs typeface="+mn-cs"/>
+                      </a:endParaRPr>
+                    </a:p>
+                  </a:txBody>
+                  <a:tcPr>
+                    <a:lnL w="12700" cap="flat" cmpd="sng" algn="ctr">
+                      <a:solidFill>
+                        <a:schemeClr val="tx1"/>
+                      </a:solidFill>
+                      <a:prstDash val="solid"/>
+                      <a:round/>
+                      <a:headEnd type="none" w="med" len="med"/>
+                      <a:tailEnd type="none" w="med" len="med"/>
+                    </a:lnL>
+                    <a:lnR w="12700" cap="flat" cmpd="sng" algn="ctr">
+                      <a:solidFill>
+                        <a:schemeClr val="tx1"/>
+                      </a:solidFill>
+                      <a:prstDash val="solid"/>
+                      <a:round/>
+                      <a:headEnd type="none" w="med" len="med"/>
+                      <a:tailEnd type="none" w="med" len="med"/>
+                    </a:lnR>
+                    <a:lnT w="12700" cap="flat" cmpd="sng" algn="ctr">
+                      <a:solidFill>
+                        <a:schemeClr val="tx1"/>
+                      </a:solidFill>
+                      <a:prstDash val="solid"/>
+                      <a:round/>
+                      <a:headEnd type="none" w="med" len="med"/>
+                      <a:tailEnd type="none" w="med" len="med"/>
+                    </a:lnT>
+                    <a:lnB w="12700" cap="flat" cmpd="sng" algn="ctr">
+                      <a:solidFill>
+                        <a:schemeClr val="tx1"/>
+                      </a:solidFill>
+                      <a:prstDash val="solid"/>
+                      <a:round/>
+                      <a:headEnd type="none" w="med" len="med"/>
+                      <a:tailEnd type="none" w="med" len="med"/>
+                    </a:lnB>
+                    <a:solidFill>
+                      <a:schemeClr val="bg1"/>
+                    </a:solidFill>
+                  </a:tcPr>
+                </a:tc>
+                <a:extLst>
+                  <a:ext uri="{0D108BD9-81ED-4DB2-BD59-A6C34878D82A}">
+                    <a16:rowId xmlns:a16="http://schemas.microsoft.com/office/drawing/2014/main" val="3725326433"/>
+                  </a:ext>
+                </a:extLst>
+              </a:tr>
+              <a:tr h="370840">
+                <a:tc>
+                  <a:txBody>
+                    <a:bodyPr/>
+                    <a:lstStyle/>
+                    <a:p>
+                      <a:pPr algn="ctr" latinLnBrk="1"/>
+                      <a:r>
+                        <a:rPr lang="en-US" altLang="ko-KR" b="0" cap="none" spc="0" dirty="0">
+                          <a:ln w="0"/>
+                          <a:solidFill>
+                            <a:schemeClr val="tx1"/>
+                          </a:solidFill>
+                          <a:effectLst>
+                            <a:outerShdw blurRad="38100" dist="19050" dir="2700000" algn="tl" rotWithShape="0">
+                              <a:schemeClr val="dk1">
+                                <a:alpha val="40000"/>
+                              </a:schemeClr>
+                            </a:outerShdw>
+                          </a:effectLst>
+                        </a:rPr>
+                        <a:t>Testing</a:t>
+                      </a:r>
+                      <a:endParaRPr lang="ko-KR" altLang="en-US" b="0" cap="none" spc="0" dirty="0">
+                        <a:ln w="0"/>
+                        <a:solidFill>
+                          <a:schemeClr val="tx1"/>
+                        </a:solidFill>
+                        <a:effectLst>
+                          <a:outerShdw blurRad="38100" dist="19050" dir="2700000" algn="tl" rotWithShape="0">
+                            <a:schemeClr val="dk1">
+                              <a:alpha val="40000"/>
+                            </a:schemeClr>
+                          </a:outerShdw>
+                        </a:effectLst>
+                      </a:endParaRPr>
+                    </a:p>
+                  </a:txBody>
+                  <a:tcPr>
+                    <a:lnL w="12700" cap="flat" cmpd="sng" algn="ctr">
+                      <a:solidFill>
+                        <a:schemeClr val="tx1"/>
+                      </a:solidFill>
+                      <a:prstDash val="solid"/>
+                      <a:round/>
+                      <a:headEnd type="none" w="med" len="med"/>
+                      <a:tailEnd type="none" w="med" len="med"/>
+                    </a:lnL>
+                    <a:lnR w="12700" cap="flat" cmpd="sng" algn="ctr">
+                      <a:solidFill>
+                        <a:schemeClr val="tx1"/>
+                      </a:solidFill>
+                      <a:prstDash val="solid"/>
+                      <a:round/>
+                      <a:headEnd type="none" w="med" len="med"/>
+                      <a:tailEnd type="none" w="med" len="med"/>
+                    </a:lnR>
+                    <a:lnT w="12700" cap="flat" cmpd="sng" algn="ctr">
+                      <a:solidFill>
+                        <a:schemeClr val="tx1"/>
+                      </a:solidFill>
+                      <a:prstDash val="solid"/>
+                      <a:round/>
+                      <a:headEnd type="none" w="med" len="med"/>
+                      <a:tailEnd type="none" w="med" len="med"/>
+                    </a:lnT>
+                    <a:lnB w="12700" cap="flat" cmpd="sng" algn="ctr">
+                      <a:solidFill>
+                        <a:schemeClr val="tx1"/>
+                      </a:solidFill>
+                      <a:prstDash val="solid"/>
+                      <a:round/>
+                      <a:headEnd type="none" w="med" len="med"/>
+                      <a:tailEnd type="none" w="med" len="med"/>
+                    </a:lnB>
+                    <a:solidFill>
                       <a:schemeClr val="accent1">
                         <a:lumMod val="40000"/>
                         <a:lumOff val="60000"/>
@@ -5255,11 +5674,11 @@
                           </a:effectLst>
                           <a:uLnTx/>
                           <a:uFillTx/>
-                          <a:latin typeface="+mn-lt"/>
-                          <a:ea typeface="+mn-ea"/>
+                          <a:latin typeface="맑은 고딕" panose="020F0502020204030204"/>
+                          <a:ea typeface="맑은 고딕" panose="020B0503020000020004" pitchFamily="50" charset="-127"/>
                           <a:cs typeface="+mn-cs"/>
                         </a:rPr>
-                        <a:t>Under Progress</a:t>
+                        <a:t>Done</a:t>
                       </a:r>
                       <a:endParaRPr kumimoji="0" lang="ko-KR" altLang="en-US" sz="1800" b="0" i="0" u="none" strike="noStrike" kern="1200" cap="none" spc="0" normalizeH="0" baseline="0" noProof="0" dirty="0">
                         <a:ln w="0"/>
@@ -5275,8 +5694,8 @@
                         </a:effectLst>
                         <a:uLnTx/>
                         <a:uFillTx/>
-                        <a:latin typeface="+mn-lt"/>
-                        <a:ea typeface="+mn-ea"/>
+                        <a:latin typeface="맑은 고딕" panose="020F0502020204030204"/>
+                        <a:ea typeface="맑은 고딕" panose="020B0503020000020004" pitchFamily="50" charset="-127"/>
                         <a:cs typeface="+mn-cs"/>
                       </a:endParaRPr>
                     </a:p>
@@ -5328,7 +5747,7 @@
                 </a:tc>
                 <a:extLst>
                   <a:ext uri="{0D108BD9-81ED-4DB2-BD59-A6C34878D82A}">
-                    <a16:rowId xmlns:a16="http://schemas.microsoft.com/office/drawing/2014/main" val="871081991"/>
+                    <a16:rowId xmlns:a16="http://schemas.microsoft.com/office/drawing/2014/main" val="3123383627"/>
                   </a:ext>
                 </a:extLst>
               </a:tr>
@@ -5353,7 +5772,7 @@
                             </a:outerShdw>
                           </a:effectLst>
                         </a:rPr>
-                        <a:t>Experimentation</a:t>
+                        <a:t>Evaluation</a:t>
                       </a:r>
                       <a:endParaRPr lang="ko-KR" altLang="en-US" b="0" cap="none" spc="0" dirty="0">
                         <a:ln w="0"/>
@@ -5456,201 +5875,7 @@
                           <a:ea typeface="+mn-ea"/>
                           <a:cs typeface="+mn-cs"/>
                         </a:rPr>
-                        <a:t>Under Progress</a:t>
-                      </a:r>
-                      <a:endParaRPr kumimoji="0" lang="ko-KR" altLang="en-US" sz="1800" b="0" i="0" u="none" strike="noStrike" kern="1200" cap="none" spc="0" normalizeH="0" baseline="0" noProof="0" dirty="0">
-                        <a:ln w="0"/>
-                        <a:solidFill>
-                          <a:prstClr val="black"/>
-                        </a:solidFill>
-                        <a:effectLst>
-                          <a:outerShdw blurRad="38100" dist="19050" dir="2700000" algn="tl" rotWithShape="0">
-                            <a:prstClr val="black">
-                              <a:alpha val="40000"/>
-                            </a:prstClr>
-                          </a:outerShdw>
-                        </a:effectLst>
-                        <a:uLnTx/>
-                        <a:uFillTx/>
-                        <a:latin typeface="+mn-lt"/>
-                        <a:ea typeface="+mn-ea"/>
-                        <a:cs typeface="+mn-cs"/>
-                      </a:endParaRPr>
-                    </a:p>
-                  </a:txBody>
-                  <a:tcPr>
-                    <a:lnL w="12700" cap="flat" cmpd="sng" algn="ctr">
-                      <a:solidFill>
-                        <a:schemeClr val="tx1"/>
-                      </a:solidFill>
-                      <a:prstDash val="solid"/>
-                      <a:round/>
-                      <a:headEnd type="none" w="med" len="med"/>
-                      <a:tailEnd type="none" w="med" len="med"/>
-                    </a:lnL>
-                    <a:lnR w="12700" cap="flat" cmpd="sng" algn="ctr">
-                      <a:solidFill>
-                        <a:schemeClr val="tx1"/>
-                      </a:solidFill>
-                      <a:prstDash val="solid"/>
-                      <a:round/>
-                      <a:headEnd type="none" w="med" len="med"/>
-                      <a:tailEnd type="none" w="med" len="med"/>
-                    </a:lnR>
-                    <a:lnT w="12700" cap="flat" cmpd="sng" algn="ctr">
-                      <a:solidFill>
-                        <a:schemeClr val="tx1"/>
-                      </a:solidFill>
-                      <a:prstDash val="solid"/>
-                      <a:round/>
-                      <a:headEnd type="none" w="med" len="med"/>
-                      <a:tailEnd type="none" w="med" len="med"/>
-                    </a:lnT>
-                    <a:lnB w="12700" cap="flat" cmpd="sng" algn="ctr">
-                      <a:solidFill>
-                        <a:schemeClr val="tx1"/>
-                      </a:solidFill>
-                      <a:prstDash val="solid"/>
-                      <a:round/>
-                      <a:headEnd type="none" w="med" len="med"/>
-                      <a:tailEnd type="none" w="med" len="med"/>
-                    </a:lnB>
-                    <a:solidFill>
-                      <a:schemeClr val="accent1">
-                        <a:lumMod val="40000"/>
-                        <a:lumOff val="60000"/>
-                      </a:schemeClr>
-                    </a:solidFill>
-                  </a:tcPr>
-                </a:tc>
-                <a:extLst>
-                  <a:ext uri="{0D108BD9-81ED-4DB2-BD59-A6C34878D82A}">
-                    <a16:rowId xmlns:a16="http://schemas.microsoft.com/office/drawing/2014/main" val="3725326433"/>
-                  </a:ext>
-                </a:extLst>
-              </a:tr>
-              <a:tr h="370840">
-                <a:tc>
-                  <a:txBody>
-                    <a:bodyPr/>
-                    <a:lstStyle/>
-                    <a:p>
-                      <a:pPr algn="ctr" latinLnBrk="1"/>
-                      <a:r>
-                        <a:rPr lang="en-US" altLang="ko-KR" b="0" cap="none" spc="0" dirty="0">
-                          <a:ln w="0"/>
-                          <a:solidFill>
-                            <a:schemeClr val="tx1"/>
-                          </a:solidFill>
-                          <a:effectLst>
-                            <a:outerShdw blurRad="38100" dist="19050" dir="2700000" algn="tl" rotWithShape="0">
-                              <a:schemeClr val="dk1">
-                                <a:alpha val="40000"/>
-                              </a:schemeClr>
-                            </a:outerShdw>
-                          </a:effectLst>
-                        </a:rPr>
-                        <a:t>Testing</a:t>
-                      </a:r>
-                      <a:endParaRPr lang="ko-KR" altLang="en-US" b="0" cap="none" spc="0" dirty="0">
-                        <a:ln w="0"/>
-                        <a:solidFill>
-                          <a:schemeClr val="tx1"/>
-                        </a:solidFill>
-                        <a:effectLst>
-                          <a:outerShdw blurRad="38100" dist="19050" dir="2700000" algn="tl" rotWithShape="0">
-                            <a:schemeClr val="dk1">
-                              <a:alpha val="40000"/>
-                            </a:schemeClr>
-                          </a:outerShdw>
-                        </a:effectLst>
-                      </a:endParaRPr>
-                    </a:p>
-                  </a:txBody>
-                  <a:tcPr>
-                    <a:lnL w="12700" cap="flat" cmpd="sng" algn="ctr">
-                      <a:solidFill>
-                        <a:schemeClr val="tx1"/>
-                      </a:solidFill>
-                      <a:prstDash val="solid"/>
-                      <a:round/>
-                      <a:headEnd type="none" w="med" len="med"/>
-                      <a:tailEnd type="none" w="med" len="med"/>
-                    </a:lnL>
-                    <a:lnR w="12700" cap="flat" cmpd="sng" algn="ctr">
-                      <a:solidFill>
-                        <a:schemeClr val="tx1"/>
-                      </a:solidFill>
-                      <a:prstDash val="solid"/>
-                      <a:round/>
-                      <a:headEnd type="none" w="med" len="med"/>
-                      <a:tailEnd type="none" w="med" len="med"/>
-                    </a:lnR>
-                    <a:lnT w="12700" cap="flat" cmpd="sng" algn="ctr">
-                      <a:solidFill>
-                        <a:schemeClr val="tx1"/>
-                      </a:solidFill>
-                      <a:prstDash val="solid"/>
-                      <a:round/>
-                      <a:headEnd type="none" w="med" len="med"/>
-                      <a:tailEnd type="none" w="med" len="med"/>
-                    </a:lnT>
-                    <a:lnB w="12700" cap="flat" cmpd="sng" algn="ctr">
-                      <a:solidFill>
-                        <a:schemeClr val="tx1"/>
-                      </a:solidFill>
-                      <a:prstDash val="solid"/>
-                      <a:round/>
-                      <a:headEnd type="none" w="med" len="med"/>
-                      <a:tailEnd type="none" w="med" len="med"/>
-                    </a:lnB>
-                    <a:solidFill>
-                      <a:schemeClr val="bg1"/>
-                    </a:solidFill>
-                  </a:tcPr>
-                </a:tc>
-                <a:tc>
-                  <a:txBody>
-                    <a:bodyPr/>
-                    <a:lstStyle/>
-                    <a:p>
-                      <a:pPr marL="0" marR="0" lvl="0" indent="0" algn="ctr" defTabSz="914400" rtl="0" eaLnBrk="1" fontAlgn="auto" latinLnBrk="1" hangingPunct="1">
-                        <a:lnSpc>
-                          <a:spcPct val="100000"/>
-                        </a:lnSpc>
-                        <a:spcBef>
-                          <a:spcPts val="0"/>
-                        </a:spcBef>
-                        <a:spcAft>
-                          <a:spcPts val="0"/>
-                        </a:spcAft>
-                        <a:buClrTx/>
-                        <a:buSzTx/>
-                        <a:buFontTx/>
-                        <a:buNone/>
-                        <a:tabLst/>
-                        <a:defRPr/>
-                      </a:pPr>
-                      <a:r>
-                        <a:rPr kumimoji="0" lang="en-US" altLang="ko-KR" sz="1800" b="0" i="0" u="none" strike="noStrike" kern="1200" cap="none" spc="0" normalizeH="0" baseline="0" noProof="0" dirty="0">
-                          <a:ln w="0"/>
-                          <a:solidFill>
-                            <a:prstClr val="black"/>
-                          </a:solidFill>
-                          <a:effectLst>
-                            <a:outerShdw blurRad="38100" dist="19050" dir="2700000" algn="tl" rotWithShape="0">
-                              <a:prstClr val="black">
-                                <a:alpha val="40000"/>
-                              </a:prstClr>
-                            </a:outerShdw>
-                          </a:effectLst>
-                          <a:uLnTx/>
-                          <a:uFillTx/>
-                          <a:latin typeface="맑은 고딕" panose="020F0502020204030204"/>
-                          <a:ea typeface="맑은 고딕" panose="020B0503020000020004" pitchFamily="50" charset="-127"/>
-                          <a:cs typeface="+mn-cs"/>
-                        </a:rPr>
-                        <a:t>Will Progress</a:t>
+                        <a:t>Done</a:t>
                       </a:r>
                       <a:endParaRPr kumimoji="0" lang="ko-KR" altLang="en-US" sz="1800" b="0" i="0" u="none" strike="noStrike" kern="1200" cap="none" spc="0" normalizeH="0" baseline="0" noProof="0" dirty="0">
                         <a:ln w="0"/>
@@ -5710,198 +5935,10 @@
                       <a:tailEnd type="none" w="med" len="med"/>
                     </a:lnB>
                     <a:solidFill>
-                      <a:schemeClr val="bg1"/>
-                    </a:solidFill>
-                  </a:tcPr>
-                </a:tc>
-                <a:extLst>
-                  <a:ext uri="{0D108BD9-81ED-4DB2-BD59-A6C34878D82A}">
-                    <a16:rowId xmlns:a16="http://schemas.microsoft.com/office/drawing/2014/main" val="3123383627"/>
-                  </a:ext>
-                </a:extLst>
-              </a:tr>
-              <a:tr h="370840">
-                <a:tc>
-                  <a:txBody>
-                    <a:bodyPr/>
-                    <a:lstStyle/>
-                    <a:p>
-                      <a:pPr algn="ctr" latinLnBrk="1"/>
-                      <a:r>
-                        <a:rPr lang="en-US" altLang="ko-KR" b="0" cap="none" spc="0" dirty="0">
-                          <a:ln w="0"/>
-                          <a:solidFill>
-                            <a:schemeClr val="tx1"/>
-                          </a:solidFill>
-                          <a:effectLst>
-                            <a:outerShdw blurRad="38100" dist="19050" dir="2700000" algn="tl" rotWithShape="0">
-                              <a:schemeClr val="dk1">
-                                <a:alpha val="40000"/>
-                              </a:schemeClr>
-                            </a:outerShdw>
-                          </a:effectLst>
-                        </a:rPr>
-                        <a:t>Evaluation</a:t>
-                      </a:r>
-                      <a:endParaRPr lang="ko-KR" altLang="en-US" b="0" cap="none" spc="0" dirty="0">
-                        <a:ln w="0"/>
-                        <a:solidFill>
-                          <a:schemeClr val="tx1"/>
-                        </a:solidFill>
-                        <a:effectLst>
-                          <a:outerShdw blurRad="38100" dist="19050" dir="2700000" algn="tl" rotWithShape="0">
-                            <a:schemeClr val="dk1">
-                              <a:alpha val="40000"/>
-                            </a:schemeClr>
-                          </a:outerShdw>
-                        </a:effectLst>
-                      </a:endParaRPr>
-                    </a:p>
-                  </a:txBody>
-                  <a:tcPr>
-                    <a:lnL w="12700" cap="flat" cmpd="sng" algn="ctr">
-                      <a:solidFill>
-                        <a:schemeClr val="tx1"/>
-                      </a:solidFill>
-                      <a:prstDash val="solid"/>
-                      <a:round/>
-                      <a:headEnd type="none" w="med" len="med"/>
-                      <a:tailEnd type="none" w="med" len="med"/>
-                    </a:lnL>
-                    <a:lnR w="12700" cap="flat" cmpd="sng" algn="ctr">
-                      <a:solidFill>
-                        <a:schemeClr val="tx1"/>
-                      </a:solidFill>
-                      <a:prstDash val="solid"/>
-                      <a:round/>
-                      <a:headEnd type="none" w="med" len="med"/>
-                      <a:tailEnd type="none" w="med" len="med"/>
-                    </a:lnR>
-                    <a:lnT w="12700" cap="flat" cmpd="sng" algn="ctr">
-                      <a:solidFill>
-                        <a:schemeClr val="tx1"/>
-                      </a:solidFill>
-                      <a:prstDash val="solid"/>
-                      <a:round/>
-                      <a:headEnd type="none" w="med" len="med"/>
-                      <a:tailEnd type="none" w="med" len="med"/>
-                    </a:lnT>
-                    <a:lnB w="12700" cap="flat" cmpd="sng" algn="ctr">
-                      <a:solidFill>
-                        <a:schemeClr val="tx1"/>
-                      </a:solidFill>
-                      <a:prstDash val="solid"/>
-                      <a:round/>
-                      <a:headEnd type="none" w="med" len="med"/>
-                      <a:tailEnd type="none" w="med" len="med"/>
-                    </a:lnB>
-                    <a:solidFill>
-                      <a:schemeClr val="bg1"/>
-                    </a:solidFill>
-                  </a:tcPr>
-                </a:tc>
-                <a:tc>
-                  <a:txBody>
-                    <a:bodyPr/>
-                    <a:lstStyle/>
-                    <a:p>
-                      <a:pPr marL="0" marR="0" lvl="0" indent="0" algn="ctr" defTabSz="914400" rtl="0" eaLnBrk="1" fontAlgn="auto" latinLnBrk="1" hangingPunct="1">
-                        <a:lnSpc>
-                          <a:spcPct val="100000"/>
-                        </a:lnSpc>
-                        <a:spcBef>
-                          <a:spcPts val="0"/>
-                        </a:spcBef>
-                        <a:spcAft>
-                          <a:spcPts val="0"/>
-                        </a:spcAft>
-                        <a:buClrTx/>
-                        <a:buSzTx/>
-                        <a:buFontTx/>
-                        <a:buNone/>
-                        <a:tabLst/>
-                        <a:defRPr/>
-                      </a:pPr>
-                      <a:r>
-                        <a:rPr kumimoji="0" lang="en-US" altLang="ko-KR" sz="1800" b="0" i="0" u="none" strike="noStrike" kern="1200" cap="none" spc="0" normalizeH="0" baseline="0" noProof="0">
-                          <a:ln w="0"/>
-                          <a:solidFill>
-                            <a:prstClr val="black"/>
-                          </a:solidFill>
-                          <a:effectLst>
-                            <a:outerShdw blurRad="38100" dist="19050" dir="2700000" algn="tl" rotWithShape="0">
-                              <a:prstClr val="black">
-                                <a:alpha val="40000"/>
-                              </a:prstClr>
-                            </a:outerShdw>
-                          </a:effectLst>
-                          <a:uLnTx/>
-                          <a:uFillTx/>
-                          <a:latin typeface="맑은 고딕" panose="020F0502020204030204"/>
-                          <a:ea typeface="맑은 고딕" panose="020B0503020000020004" pitchFamily="50" charset="-127"/>
-                          <a:cs typeface="+mn-cs"/>
-                        </a:rPr>
-                        <a:t>Will Progress</a:t>
-                      </a:r>
-                      <a:endParaRPr kumimoji="0" lang="ko-KR" altLang="en-US" sz="1800" b="0" i="0" u="none" strike="noStrike" kern="1200" cap="none" spc="0" normalizeH="0" baseline="0" noProof="0" dirty="0">
-                        <a:ln w="0"/>
-                        <a:solidFill>
-                          <a:prstClr val="black"/>
-                        </a:solidFill>
-                        <a:effectLst>
-                          <a:outerShdw blurRad="38100" dist="19050" dir="2700000" algn="tl" rotWithShape="0">
-                            <a:prstClr val="black">
-                              <a:alpha val="40000"/>
-                            </a:prstClr>
-                          </a:outerShdw>
-                        </a:effectLst>
-                        <a:uLnTx/>
-                        <a:uFillTx/>
-                        <a:latin typeface="맑은 고딕" panose="020F0502020204030204"/>
-                        <a:ea typeface="맑은 고딕" panose="020B0503020000020004" pitchFamily="50" charset="-127"/>
-                        <a:cs typeface="+mn-cs"/>
-                      </a:endParaRPr>
-                    </a:p>
-                  </a:txBody>
-                  <a:tcPr>
-                    <a:lnL w="12700" cap="flat" cmpd="sng" algn="ctr">
-                      <a:solidFill>
-                        <a:schemeClr val="tx1"/>
-                      </a:solidFill>
-                      <a:prstDash val="solid"/>
-                      <a:round/>
-                      <a:headEnd type="none" w="med" len="med"/>
-                      <a:tailEnd type="none" w="med" len="med"/>
-                    </a:lnL>
-                    <a:lnR w="12700" cap="flat" cmpd="sng" algn="ctr">
-                      <a:solidFill>
-                        <a:schemeClr val="tx1"/>
-                      </a:solidFill>
-                      <a:prstDash val="solid"/>
-                      <a:round/>
-                      <a:headEnd type="none" w="med" len="med"/>
-                      <a:tailEnd type="none" w="med" len="med"/>
-                    </a:lnR>
-                    <a:lnT w="12700" cap="flat" cmpd="sng" algn="ctr">
-                      <a:solidFill>
-                        <a:schemeClr val="tx1"/>
-                      </a:solidFill>
-                      <a:prstDash val="solid"/>
-                      <a:round/>
-                      <a:headEnd type="none" w="med" len="med"/>
-                      <a:tailEnd type="none" w="med" len="med"/>
-                    </a:lnT>
-                    <a:lnB w="12700" cap="flat" cmpd="sng" algn="ctr">
-                      <a:solidFill>
-                        <a:schemeClr val="tx1"/>
-                      </a:solidFill>
-                      <a:prstDash val="solid"/>
-                      <a:round/>
-                      <a:headEnd type="none" w="med" len="med"/>
-                      <a:tailEnd type="none" w="med" len="med"/>
-                    </a:lnB>
-                    <a:solidFill>
-                      <a:schemeClr val="bg1"/>
+                      <a:schemeClr val="accent1">
+                        <a:lumMod val="40000"/>
+                        <a:lumOff val="60000"/>
+                      </a:schemeClr>
                     </a:solidFill>
                   </a:tcPr>
                 </a:tc>
@@ -7936,7 +7973,7 @@
           <p:nvPr>
             <p:extLst>
               <p:ext uri="{D42A27DB-BD31-4B8C-83A1-F6EECF244321}">
-                <p14:modId xmlns:p14="http://schemas.microsoft.com/office/powerpoint/2010/main" val="1145165331"/>
+                <p14:modId xmlns:p14="http://schemas.microsoft.com/office/powerpoint/2010/main" val="2789974308"/>
               </p:ext>
             </p:extLst>
           </p:nvPr>
@@ -8066,24 +8103,16 @@
                         </a:spcAft>
                       </a:pPr>
                       <a:r>
-                        <a:rPr lang="en-US" sz="1000" b="0" kern="100" dirty="0">
+                        <a:rPr lang="ko-KR" altLang="en-US" sz="1000" b="0" kern="100" dirty="0">
                           <a:solidFill>
                             <a:sysClr val="windowText" lastClr="000000"/>
                           </a:solidFill>
                           <a:effectLst/>
                           <a:latin typeface="+mj-lt"/>
+                          <a:ea typeface="맑은 고딕" panose="020B0503020000020004" pitchFamily="50" charset="-127"/>
+                          <a:cs typeface="Times New Roman" panose="02020603050405020304" pitchFamily="18" charset="0"/>
                         </a:rPr>
-                        <a:t>Null</a:t>
-                      </a:r>
-                      <a:r>
-                        <a:rPr lang="ko-KR" sz="1000" b="0" kern="100" dirty="0">
-                          <a:solidFill>
-                            <a:sysClr val="windowText" lastClr="000000"/>
-                          </a:solidFill>
-                          <a:effectLst/>
-                          <a:latin typeface="+mj-lt"/>
-                        </a:rPr>
-                        <a:t>이 입력되었을 때 오류 처리 테스팅</a:t>
+                        <a:t>사용자가 입력한 정보에 대한 처리 테스팅</a:t>
                       </a:r>
                       <a:endParaRPr lang="ko-KR" sz="1000" b="0" kern="100" dirty="0">
                         <a:solidFill>
@@ -8177,17 +8206,7 @@
                           <a:spcPts val="0"/>
                         </a:spcAft>
                       </a:pPr>
-                      <a:r>
-                        <a:rPr lang="ko-KR" sz="1000" b="0" kern="100">
-                          <a:solidFill>
-                            <a:sysClr val="windowText" lastClr="000000"/>
-                          </a:solidFill>
-                          <a:effectLst/>
-                          <a:latin typeface="+mj-lt"/>
-                        </a:rPr>
-                        <a:t>잘못된 정보가 입력되었을 때 오류 처리 테스팅</a:t>
-                      </a:r>
-                      <a:endParaRPr lang="ko-KR" sz="1000" b="0" kern="100">
+                      <a:endParaRPr lang="ko-KR" sz="1000" b="0" kern="100" dirty="0">
                         <a:solidFill>
                           <a:sysClr val="windowText" lastClr="000000"/>
                         </a:solidFill>
@@ -8279,17 +8298,7 @@
                           <a:spcPts val="0"/>
                         </a:spcAft>
                       </a:pPr>
-                      <a:r>
-                        <a:rPr lang="ko-KR" sz="1000" b="0" kern="100">
-                          <a:solidFill>
-                            <a:sysClr val="windowText" lastClr="000000"/>
-                          </a:solidFill>
-                          <a:effectLst/>
-                          <a:latin typeface="+mj-lt"/>
-                        </a:rPr>
-                        <a:t>선택 장소에 모든 가게가 영업하지 않을 때에 관한 테스팅</a:t>
-                      </a:r>
-                      <a:endParaRPr lang="ko-KR" sz="1000" b="0" kern="100">
+                      <a:endParaRPr lang="ko-KR" sz="1000" b="0" kern="100" dirty="0">
                         <a:solidFill>
                           <a:sysClr val="windowText" lastClr="000000"/>
                         </a:solidFill>
@@ -8381,16 +8390,6 @@
                           <a:spcPts val="0"/>
                         </a:spcAft>
                       </a:pPr>
-                      <a:r>
-                        <a:rPr lang="ko-KR" sz="1000" b="0" kern="100" dirty="0">
-                          <a:solidFill>
-                            <a:sysClr val="windowText" lastClr="000000"/>
-                          </a:solidFill>
-                          <a:effectLst/>
-                          <a:latin typeface="+mj-lt"/>
-                        </a:rPr>
-                        <a:t>사용자 입력 정보의 모순 테스팅</a:t>
-                      </a:r>
                       <a:endParaRPr lang="ko-KR" sz="1000" b="0" kern="100" dirty="0">
                         <a:solidFill>
                           <a:sysClr val="windowText" lastClr="000000"/>
@@ -8483,16 +8482,6 @@
                           <a:spcPts val="0"/>
                         </a:spcAft>
                       </a:pPr>
-                      <a:r>
-                        <a:rPr lang="ko-KR" sz="1000" b="0" kern="100" dirty="0">
-                          <a:solidFill>
-                            <a:sysClr val="windowText" lastClr="000000"/>
-                          </a:solidFill>
-                          <a:effectLst/>
-                          <a:latin typeface="+mj-lt"/>
-                        </a:rPr>
-                        <a:t>미세먼지 정보 오류 처리 테스팅</a:t>
-                      </a:r>
                       <a:endParaRPr lang="ko-KR" sz="1000" b="0" kern="100" dirty="0">
                         <a:solidFill>
                           <a:sysClr val="windowText" lastClr="000000"/>
@@ -8585,16 +8574,6 @@
                           <a:spcPts val="0"/>
                         </a:spcAft>
                       </a:pPr>
-                      <a:r>
-                        <a:rPr lang="ko-KR" sz="1000" b="0" kern="100" dirty="0">
-                          <a:solidFill>
-                            <a:sysClr val="windowText" lastClr="000000"/>
-                          </a:solidFill>
-                          <a:effectLst/>
-                          <a:latin typeface="+mj-lt"/>
-                        </a:rPr>
-                        <a:t>유동인구 정보 업데이트 테스팅</a:t>
-                      </a:r>
                       <a:endParaRPr lang="ko-KR" sz="1000" b="0" kern="100" dirty="0">
                         <a:solidFill>
                           <a:sysClr val="windowText" lastClr="000000"/>
@@ -9057,16 +9036,6 @@
                           <a:spcPts val="0"/>
                         </a:spcAft>
                       </a:pPr>
-                      <a:r>
-                        <a:rPr lang="ko-KR" sz="1000" b="0" kern="100" dirty="0">
-                          <a:solidFill>
-                            <a:sysClr val="windowText" lastClr="000000"/>
-                          </a:solidFill>
-                          <a:effectLst/>
-                          <a:latin typeface="+mj-lt"/>
-                        </a:rPr>
-                        <a:t>가중치 출력 테스팅</a:t>
-                      </a:r>
                       <a:endParaRPr lang="ko-KR" sz="1000" b="0" kern="100" dirty="0">
                         <a:solidFill>
                           <a:sysClr val="windowText" lastClr="000000"/>
@@ -9159,16 +9128,6 @@
                           <a:spcPts val="0"/>
                         </a:spcAft>
                       </a:pPr>
-                      <a:r>
-                        <a:rPr lang="ko-KR" sz="1000" b="0" kern="100" dirty="0">
-                          <a:solidFill>
-                            <a:sysClr val="windowText" lastClr="000000"/>
-                          </a:solidFill>
-                          <a:effectLst/>
-                          <a:latin typeface="+mj-lt"/>
-                        </a:rPr>
-                        <a:t>장소 선택 가중치 출력 테스팅</a:t>
-                      </a:r>
                       <a:endParaRPr lang="ko-KR" sz="1000" b="0" kern="100" dirty="0">
                         <a:solidFill>
                           <a:sysClr val="windowText" lastClr="000000"/>
@@ -9261,16 +9220,6 @@
                           <a:spcPts val="0"/>
                         </a:spcAft>
                       </a:pPr>
-                      <a:r>
-                        <a:rPr lang="ko-KR" sz="1000" b="0" kern="100" dirty="0">
-                          <a:solidFill>
-                            <a:sysClr val="windowText" lastClr="000000"/>
-                          </a:solidFill>
-                          <a:effectLst/>
-                          <a:latin typeface="+mj-lt"/>
-                        </a:rPr>
-                        <a:t>우선순위 출력 테스팅</a:t>
-                      </a:r>
                       <a:endParaRPr lang="ko-KR" sz="1000" b="0" kern="100" dirty="0">
                         <a:solidFill>
                           <a:sysClr val="windowText" lastClr="000000"/>
@@ -10000,301 +9949,6 @@
           </a:p>
         </p:txBody>
       </p:sp>
-      <p:grpSp>
-        <p:nvGrpSpPr>
-          <p:cNvPr id="10" name="그룹 9">
-            <a:extLst>
-              <a:ext uri="{FF2B5EF4-FFF2-40B4-BE49-F238E27FC236}">
-                <a16:creationId xmlns:a16="http://schemas.microsoft.com/office/drawing/2014/main" id="{38563920-AA89-433B-B59C-2270EFFD2006}"/>
-              </a:ext>
-            </a:extLst>
-          </p:cNvPr>
-          <p:cNvGrpSpPr/>
-          <p:nvPr/>
-        </p:nvGrpSpPr>
-        <p:grpSpPr>
-          <a:xfrm>
-            <a:off x="4148852" y="2919589"/>
-            <a:ext cx="5536665" cy="1239274"/>
-            <a:chOff x="4159534" y="2955840"/>
-            <a:chExt cx="5536665" cy="1239274"/>
-          </a:xfrm>
-        </p:grpSpPr>
-        <p:sp>
-          <p:nvSpPr>
-            <p:cNvPr id="2" name="직사각형 1">
-              <a:extLst>
-                <a:ext uri="{FF2B5EF4-FFF2-40B4-BE49-F238E27FC236}">
-                  <a16:creationId xmlns:a16="http://schemas.microsoft.com/office/drawing/2014/main" id="{0490299C-4B97-455C-8E33-8408C3AB70A7}"/>
-                </a:ext>
-              </a:extLst>
-            </p:cNvPr>
-            <p:cNvSpPr/>
-            <p:nvPr/>
-          </p:nvSpPr>
-          <p:spPr>
-            <a:xfrm>
-              <a:off x="5803787" y="3783090"/>
-              <a:ext cx="3892412" cy="338554"/>
-            </a:xfrm>
-            <a:prstGeom prst="rect">
-              <a:avLst/>
-            </a:prstGeom>
-          </p:spPr>
-          <p:txBody>
-            <a:bodyPr wrap="none">
-              <a:spAutoFit/>
-            </a:bodyPr>
-            <a:lstStyle/>
-            <a:p>
-              <a:r>
-                <a:rPr lang="ko-KR" altLang="en-US" sz="1600" dirty="0">
-                  <a:solidFill>
-                    <a:srgbClr val="DE0964"/>
-                  </a:solidFill>
-                  <a:latin typeface="+mj-lt"/>
-                </a:rPr>
-                <a:t>중간 경유지</a:t>
-              </a:r>
-              <a:r>
-                <a:rPr lang="ko-KR" altLang="en-US" sz="1600" dirty="0">
-                  <a:latin typeface="+mj-lt"/>
-                </a:rPr>
-                <a:t>를 고려한 </a:t>
-              </a:r>
-              <a:r>
-                <a:rPr lang="en-US" altLang="ko-KR" sz="1600" dirty="0">
-                  <a:latin typeface="+mj-lt"/>
-                </a:rPr>
-                <a:t>310</a:t>
-              </a:r>
-              <a:r>
-                <a:rPr lang="ko-KR" altLang="en-US" sz="1600" dirty="0">
-                  <a:latin typeface="+mj-lt"/>
-                </a:rPr>
-                <a:t>관 내비게이션</a:t>
-              </a:r>
-            </a:p>
-          </p:txBody>
-        </p:sp>
-        <p:pic>
-          <p:nvPicPr>
-            <p:cNvPr id="7" name="그림 6">
-              <a:extLst>
-                <a:ext uri="{FF2B5EF4-FFF2-40B4-BE49-F238E27FC236}">
-                  <a16:creationId xmlns:a16="http://schemas.microsoft.com/office/drawing/2014/main" id="{357FFB82-5510-4EA7-82DF-16AC685720C5}"/>
-                </a:ext>
-              </a:extLst>
-            </p:cNvPr>
-            <p:cNvPicPr>
-              <a:picLocks noChangeAspect="1"/>
-            </p:cNvPicPr>
-            <p:nvPr/>
-          </p:nvPicPr>
-          <p:blipFill>
-            <a:blip r:embed="rId2">
-              <a:extLst>
-                <a:ext uri="{28A0092B-C50C-407E-A947-70E740481C1C}">
-                  <a14:useLocalDpi xmlns:a14="http://schemas.microsoft.com/office/drawing/2010/main" val="0"/>
-                </a:ext>
-              </a:extLst>
-            </a:blip>
-            <a:stretch>
-              <a:fillRect/>
-            </a:stretch>
-          </p:blipFill>
-          <p:spPr>
-            <a:xfrm>
-              <a:off x="4159534" y="2955840"/>
-              <a:ext cx="1239274" cy="1239274"/>
-            </a:xfrm>
-            <a:prstGeom prst="rect">
-              <a:avLst/>
-            </a:prstGeom>
-          </p:spPr>
-        </p:pic>
-        <p:sp>
-          <p:nvSpPr>
-            <p:cNvPr id="29" name="직사각형 28">
-              <a:extLst>
-                <a:ext uri="{FF2B5EF4-FFF2-40B4-BE49-F238E27FC236}">
-                  <a16:creationId xmlns:a16="http://schemas.microsoft.com/office/drawing/2014/main" id="{0C4507D5-A4DE-461A-BECC-2603D604FB71}"/>
-                </a:ext>
-              </a:extLst>
-            </p:cNvPr>
-            <p:cNvSpPr/>
-            <p:nvPr/>
-          </p:nvSpPr>
-          <p:spPr>
-            <a:xfrm>
-              <a:off x="5304377" y="3277132"/>
-              <a:ext cx="3013646" cy="523220"/>
-            </a:xfrm>
-            <a:prstGeom prst="rect">
-              <a:avLst/>
-            </a:prstGeom>
-          </p:spPr>
-          <p:txBody>
-            <a:bodyPr wrap="none">
-              <a:spAutoFit/>
-            </a:bodyPr>
-            <a:lstStyle/>
-            <a:p>
-              <a:r>
-                <a:rPr lang="en-US" altLang="ko-KR" sz="2800" dirty="0"/>
-                <a:t>310 NAVIGATION</a:t>
-              </a:r>
-              <a:endParaRPr lang="ko-KR" altLang="en-US" sz="2800" dirty="0"/>
-            </a:p>
-          </p:txBody>
-        </p:sp>
-      </p:grpSp>
-      <p:sp>
-        <p:nvSpPr>
-          <p:cNvPr id="34" name="직사각형 33">
-            <a:extLst>
-              <a:ext uri="{FF2B5EF4-FFF2-40B4-BE49-F238E27FC236}">
-                <a16:creationId xmlns:a16="http://schemas.microsoft.com/office/drawing/2014/main" id="{6B0DFFA6-EAC9-486B-B4DE-2E3B66B7FE59}"/>
-              </a:ext>
-            </a:extLst>
-          </p:cNvPr>
-          <p:cNvSpPr/>
-          <p:nvPr/>
-        </p:nvSpPr>
-        <p:spPr>
-          <a:xfrm>
-            <a:off x="5793105" y="4308930"/>
-            <a:ext cx="3983470" cy="307777"/>
-          </a:xfrm>
-          <a:prstGeom prst="rect">
-            <a:avLst/>
-          </a:prstGeom>
-        </p:spPr>
-        <p:txBody>
-          <a:bodyPr wrap="square">
-            <a:spAutoFit/>
-          </a:bodyPr>
-          <a:lstStyle/>
-          <a:p>
-            <a:r>
-              <a:rPr lang="en-US" altLang="ko-KR" sz="1400" dirty="0">
-                <a:solidFill>
-                  <a:schemeClr val="tx1">
-                    <a:lumMod val="65000"/>
-                    <a:lumOff val="35000"/>
-                  </a:schemeClr>
-                </a:solidFill>
-              </a:rPr>
-              <a:t>Room, </a:t>
-            </a:r>
-            <a:r>
-              <a:rPr lang="ko-KR" altLang="en-US" sz="1400" dirty="0" err="1">
-                <a:solidFill>
-                  <a:schemeClr val="tx1">
-                    <a:lumMod val="65000"/>
-                    <a:lumOff val="35000"/>
-                  </a:schemeClr>
-                </a:solidFill>
-              </a:rPr>
-              <a:t>과사</a:t>
-            </a:r>
-            <a:r>
-              <a:rPr lang="en-US" altLang="ko-KR" sz="1400" dirty="0">
-                <a:solidFill>
-                  <a:schemeClr val="tx1">
-                    <a:lumMod val="65000"/>
-                    <a:lumOff val="35000"/>
-                  </a:schemeClr>
-                </a:solidFill>
-              </a:rPr>
-              <a:t>, </a:t>
-            </a:r>
-            <a:r>
-              <a:rPr lang="ko-KR" altLang="en-US" sz="1400" dirty="0">
-                <a:solidFill>
-                  <a:schemeClr val="tx1">
-                    <a:lumMod val="65000"/>
-                    <a:lumOff val="35000"/>
-                  </a:schemeClr>
-                </a:solidFill>
-              </a:rPr>
-              <a:t>편의시설 등 </a:t>
-            </a:r>
-            <a:r>
-              <a:rPr lang="en-US" altLang="ko-KR" sz="1400" dirty="0">
-                <a:solidFill>
-                  <a:schemeClr val="tx1">
-                    <a:lumMod val="65000"/>
-                    <a:lumOff val="35000"/>
-                  </a:schemeClr>
-                </a:solidFill>
-              </a:rPr>
-              <a:t>310</a:t>
-            </a:r>
-            <a:r>
-              <a:rPr lang="ko-KR" altLang="en-US" sz="1400" dirty="0">
-                <a:solidFill>
-                  <a:schemeClr val="tx1">
-                    <a:lumMod val="65000"/>
-                    <a:lumOff val="35000"/>
-                  </a:schemeClr>
-                </a:solidFill>
-              </a:rPr>
-              <a:t>관 내부 모든 장소</a:t>
-            </a:r>
-            <a:endParaRPr lang="en-US" altLang="ko-KR" sz="1400" dirty="0">
-              <a:solidFill>
-                <a:schemeClr val="tx1">
-                  <a:lumMod val="65000"/>
-                  <a:lumOff val="35000"/>
-                </a:schemeClr>
-              </a:solidFill>
-            </a:endParaRPr>
-          </a:p>
-        </p:txBody>
-      </p:sp>
-      <p:cxnSp>
-        <p:nvCxnSpPr>
-          <p:cNvPr id="13" name="직선 화살표 연결선 12">
-            <a:extLst>
-              <a:ext uri="{FF2B5EF4-FFF2-40B4-BE49-F238E27FC236}">
-                <a16:creationId xmlns:a16="http://schemas.microsoft.com/office/drawing/2014/main" id="{6513D777-2BCF-45DE-B2BD-F20369DE623C}"/>
-              </a:ext>
-            </a:extLst>
-          </p:cNvPr>
-          <p:cNvCxnSpPr/>
-          <p:nvPr/>
-        </p:nvCxnSpPr>
-        <p:spPr>
-          <a:xfrm>
-            <a:off x="6471821" y="4085393"/>
-            <a:ext cx="0" cy="232318"/>
-          </a:xfrm>
-          <a:prstGeom prst="straightConnector1">
-            <a:avLst/>
-          </a:prstGeom>
-          <a:ln>
-            <a:solidFill>
-              <a:srgbClr val="3E4B58"/>
-            </a:solidFill>
-            <a:tailEnd type="triangle"/>
-          </a:ln>
-        </p:spPr>
-        <p:style>
-          <a:lnRef idx="1">
-            <a:schemeClr val="accent1"/>
-          </a:lnRef>
-          <a:fillRef idx="0">
-            <a:schemeClr val="accent1"/>
-          </a:fillRef>
-          <a:effectRef idx="0">
-            <a:schemeClr val="accent1"/>
-          </a:effectRef>
-          <a:fontRef idx="minor">
-            <a:schemeClr val="tx1"/>
-          </a:fontRef>
-        </p:style>
-      </p:cxnSp>
       <p:sp>
         <p:nvSpPr>
           <p:cNvPr id="26" name="직사각형 25">
@@ -11035,301 +10689,6 @@
           </a:p>
         </p:txBody>
       </p:sp>
-      <p:grpSp>
-        <p:nvGrpSpPr>
-          <p:cNvPr id="10" name="그룹 9">
-            <a:extLst>
-              <a:ext uri="{FF2B5EF4-FFF2-40B4-BE49-F238E27FC236}">
-                <a16:creationId xmlns:a16="http://schemas.microsoft.com/office/drawing/2014/main" id="{38563920-AA89-433B-B59C-2270EFFD2006}"/>
-              </a:ext>
-            </a:extLst>
-          </p:cNvPr>
-          <p:cNvGrpSpPr/>
-          <p:nvPr/>
-        </p:nvGrpSpPr>
-        <p:grpSpPr>
-          <a:xfrm>
-            <a:off x="4148852" y="2919589"/>
-            <a:ext cx="5536665" cy="1239274"/>
-            <a:chOff x="4159534" y="2955840"/>
-            <a:chExt cx="5536665" cy="1239274"/>
-          </a:xfrm>
-        </p:grpSpPr>
-        <p:sp>
-          <p:nvSpPr>
-            <p:cNvPr id="2" name="직사각형 1">
-              <a:extLst>
-                <a:ext uri="{FF2B5EF4-FFF2-40B4-BE49-F238E27FC236}">
-                  <a16:creationId xmlns:a16="http://schemas.microsoft.com/office/drawing/2014/main" id="{0490299C-4B97-455C-8E33-8408C3AB70A7}"/>
-                </a:ext>
-              </a:extLst>
-            </p:cNvPr>
-            <p:cNvSpPr/>
-            <p:nvPr/>
-          </p:nvSpPr>
-          <p:spPr>
-            <a:xfrm>
-              <a:off x="5803787" y="3783090"/>
-              <a:ext cx="3892412" cy="338554"/>
-            </a:xfrm>
-            <a:prstGeom prst="rect">
-              <a:avLst/>
-            </a:prstGeom>
-          </p:spPr>
-          <p:txBody>
-            <a:bodyPr wrap="none">
-              <a:spAutoFit/>
-            </a:bodyPr>
-            <a:lstStyle/>
-            <a:p>
-              <a:r>
-                <a:rPr lang="ko-KR" altLang="en-US" sz="1600" dirty="0">
-                  <a:solidFill>
-                    <a:srgbClr val="DE0964"/>
-                  </a:solidFill>
-                  <a:latin typeface="+mj-lt"/>
-                </a:rPr>
-                <a:t>중간 경유지</a:t>
-              </a:r>
-              <a:r>
-                <a:rPr lang="ko-KR" altLang="en-US" sz="1600" dirty="0">
-                  <a:latin typeface="+mj-lt"/>
-                </a:rPr>
-                <a:t>를 고려한 </a:t>
-              </a:r>
-              <a:r>
-                <a:rPr lang="en-US" altLang="ko-KR" sz="1600" dirty="0">
-                  <a:latin typeface="+mj-lt"/>
-                </a:rPr>
-                <a:t>310</a:t>
-              </a:r>
-              <a:r>
-                <a:rPr lang="ko-KR" altLang="en-US" sz="1600" dirty="0">
-                  <a:latin typeface="+mj-lt"/>
-                </a:rPr>
-                <a:t>관 내비게이션</a:t>
-              </a:r>
-            </a:p>
-          </p:txBody>
-        </p:sp>
-        <p:pic>
-          <p:nvPicPr>
-            <p:cNvPr id="7" name="그림 6">
-              <a:extLst>
-                <a:ext uri="{FF2B5EF4-FFF2-40B4-BE49-F238E27FC236}">
-                  <a16:creationId xmlns:a16="http://schemas.microsoft.com/office/drawing/2014/main" id="{357FFB82-5510-4EA7-82DF-16AC685720C5}"/>
-                </a:ext>
-              </a:extLst>
-            </p:cNvPr>
-            <p:cNvPicPr>
-              <a:picLocks noChangeAspect="1"/>
-            </p:cNvPicPr>
-            <p:nvPr/>
-          </p:nvPicPr>
-          <p:blipFill>
-            <a:blip r:embed="rId2">
-              <a:extLst>
-                <a:ext uri="{28A0092B-C50C-407E-A947-70E740481C1C}">
-                  <a14:useLocalDpi xmlns:a14="http://schemas.microsoft.com/office/drawing/2010/main" val="0"/>
-                </a:ext>
-              </a:extLst>
-            </a:blip>
-            <a:stretch>
-              <a:fillRect/>
-            </a:stretch>
-          </p:blipFill>
-          <p:spPr>
-            <a:xfrm>
-              <a:off x="4159534" y="2955840"/>
-              <a:ext cx="1239274" cy="1239274"/>
-            </a:xfrm>
-            <a:prstGeom prst="rect">
-              <a:avLst/>
-            </a:prstGeom>
-          </p:spPr>
-        </p:pic>
-        <p:sp>
-          <p:nvSpPr>
-            <p:cNvPr id="29" name="직사각형 28">
-              <a:extLst>
-                <a:ext uri="{FF2B5EF4-FFF2-40B4-BE49-F238E27FC236}">
-                  <a16:creationId xmlns:a16="http://schemas.microsoft.com/office/drawing/2014/main" id="{0C4507D5-A4DE-461A-BECC-2603D604FB71}"/>
-                </a:ext>
-              </a:extLst>
-            </p:cNvPr>
-            <p:cNvSpPr/>
-            <p:nvPr/>
-          </p:nvSpPr>
-          <p:spPr>
-            <a:xfrm>
-              <a:off x="5304377" y="3277132"/>
-              <a:ext cx="3013646" cy="523220"/>
-            </a:xfrm>
-            <a:prstGeom prst="rect">
-              <a:avLst/>
-            </a:prstGeom>
-          </p:spPr>
-          <p:txBody>
-            <a:bodyPr wrap="none">
-              <a:spAutoFit/>
-            </a:bodyPr>
-            <a:lstStyle/>
-            <a:p>
-              <a:r>
-                <a:rPr lang="en-US" altLang="ko-KR" sz="2800" dirty="0"/>
-                <a:t>310 NAVIGATION</a:t>
-              </a:r>
-              <a:endParaRPr lang="ko-KR" altLang="en-US" sz="2800" dirty="0"/>
-            </a:p>
-          </p:txBody>
-        </p:sp>
-      </p:grpSp>
-      <p:sp>
-        <p:nvSpPr>
-          <p:cNvPr id="34" name="직사각형 33">
-            <a:extLst>
-              <a:ext uri="{FF2B5EF4-FFF2-40B4-BE49-F238E27FC236}">
-                <a16:creationId xmlns:a16="http://schemas.microsoft.com/office/drawing/2014/main" id="{6B0DFFA6-EAC9-486B-B4DE-2E3B66B7FE59}"/>
-              </a:ext>
-            </a:extLst>
-          </p:cNvPr>
-          <p:cNvSpPr/>
-          <p:nvPr/>
-        </p:nvSpPr>
-        <p:spPr>
-          <a:xfrm>
-            <a:off x="5793105" y="4308930"/>
-            <a:ext cx="3983470" cy="307777"/>
-          </a:xfrm>
-          <a:prstGeom prst="rect">
-            <a:avLst/>
-          </a:prstGeom>
-        </p:spPr>
-        <p:txBody>
-          <a:bodyPr wrap="square">
-            <a:spAutoFit/>
-          </a:bodyPr>
-          <a:lstStyle/>
-          <a:p>
-            <a:r>
-              <a:rPr lang="en-US" altLang="ko-KR" sz="1400" dirty="0">
-                <a:solidFill>
-                  <a:schemeClr val="tx1">
-                    <a:lumMod val="65000"/>
-                    <a:lumOff val="35000"/>
-                  </a:schemeClr>
-                </a:solidFill>
-              </a:rPr>
-              <a:t>Room, </a:t>
-            </a:r>
-            <a:r>
-              <a:rPr lang="ko-KR" altLang="en-US" sz="1400" dirty="0" err="1">
-                <a:solidFill>
-                  <a:schemeClr val="tx1">
-                    <a:lumMod val="65000"/>
-                    <a:lumOff val="35000"/>
-                  </a:schemeClr>
-                </a:solidFill>
-              </a:rPr>
-              <a:t>과사</a:t>
-            </a:r>
-            <a:r>
-              <a:rPr lang="en-US" altLang="ko-KR" sz="1400" dirty="0">
-                <a:solidFill>
-                  <a:schemeClr val="tx1">
-                    <a:lumMod val="65000"/>
-                    <a:lumOff val="35000"/>
-                  </a:schemeClr>
-                </a:solidFill>
-              </a:rPr>
-              <a:t>, </a:t>
-            </a:r>
-            <a:r>
-              <a:rPr lang="ko-KR" altLang="en-US" sz="1400" dirty="0">
-                <a:solidFill>
-                  <a:schemeClr val="tx1">
-                    <a:lumMod val="65000"/>
-                    <a:lumOff val="35000"/>
-                  </a:schemeClr>
-                </a:solidFill>
-              </a:rPr>
-              <a:t>편의시설 등 </a:t>
-            </a:r>
-            <a:r>
-              <a:rPr lang="en-US" altLang="ko-KR" sz="1400" dirty="0">
-                <a:solidFill>
-                  <a:schemeClr val="tx1">
-                    <a:lumMod val="65000"/>
-                    <a:lumOff val="35000"/>
-                  </a:schemeClr>
-                </a:solidFill>
-              </a:rPr>
-              <a:t>310</a:t>
-            </a:r>
-            <a:r>
-              <a:rPr lang="ko-KR" altLang="en-US" sz="1400" dirty="0">
-                <a:solidFill>
-                  <a:schemeClr val="tx1">
-                    <a:lumMod val="65000"/>
-                    <a:lumOff val="35000"/>
-                  </a:schemeClr>
-                </a:solidFill>
-              </a:rPr>
-              <a:t>관 내부 모든 장소</a:t>
-            </a:r>
-            <a:endParaRPr lang="en-US" altLang="ko-KR" sz="1400" dirty="0">
-              <a:solidFill>
-                <a:schemeClr val="tx1">
-                  <a:lumMod val="65000"/>
-                  <a:lumOff val="35000"/>
-                </a:schemeClr>
-              </a:solidFill>
-            </a:endParaRPr>
-          </a:p>
-        </p:txBody>
-      </p:sp>
-      <p:cxnSp>
-        <p:nvCxnSpPr>
-          <p:cNvPr id="13" name="직선 화살표 연결선 12">
-            <a:extLst>
-              <a:ext uri="{FF2B5EF4-FFF2-40B4-BE49-F238E27FC236}">
-                <a16:creationId xmlns:a16="http://schemas.microsoft.com/office/drawing/2014/main" id="{6513D777-2BCF-45DE-B2BD-F20369DE623C}"/>
-              </a:ext>
-            </a:extLst>
-          </p:cNvPr>
-          <p:cNvCxnSpPr/>
-          <p:nvPr/>
-        </p:nvCxnSpPr>
-        <p:spPr>
-          <a:xfrm>
-            <a:off x="6471821" y="4085393"/>
-            <a:ext cx="0" cy="232318"/>
-          </a:xfrm>
-          <a:prstGeom prst="straightConnector1">
-            <a:avLst/>
-          </a:prstGeom>
-          <a:ln>
-            <a:solidFill>
-              <a:srgbClr val="3E4B58"/>
-            </a:solidFill>
-            <a:tailEnd type="triangle"/>
-          </a:ln>
-        </p:spPr>
-        <p:style>
-          <a:lnRef idx="1">
-            <a:schemeClr val="accent1"/>
-          </a:lnRef>
-          <a:fillRef idx="0">
-            <a:schemeClr val="accent1"/>
-          </a:fillRef>
-          <a:effectRef idx="0">
-            <a:schemeClr val="accent1"/>
-          </a:effectRef>
-          <a:fontRef idx="minor">
-            <a:schemeClr val="tx1"/>
-          </a:fontRef>
-        </p:style>
-      </p:cxnSp>
       <p:sp>
         <p:nvSpPr>
           <p:cNvPr id="26" name="직사각형 25">
